--- a/HTML-CSS/Slide/Chapter 1_Introduction to web development Reviewed.pptx
+++ b/HTML-CSS/Slide/Chapter 1_Introduction to web development Reviewed.pptx
@@ -271,7 +271,7 @@
             <a:fld id="{524DC8F9-1DCD-4754-A44C-6EBB62BDA97B}" type="datetimeFigureOut">
               <a:rPr lang="en-US" smtClean="0"/>
               <a:pPr/>
-              <a:t>4/22/2020</a:t>
+              <a:t>7/25/2020</a:t>
             </a:fld>
             <a:endParaRPr lang="en-US"/>
           </a:p>
@@ -7910,11 +7910,7 @@
             </a:r>
             <a:r>
               <a:rPr lang="en-US" sz="2400" dirty="0" smtClean="0"/>
-              <a:t>and Cascading style </a:t>
-            </a:r>
-            <a:r>
-              <a:rPr lang="en-US" sz="2400" dirty="0" smtClean="0"/>
-              <a:t>sheets</a:t>
+              <a:t>and Cascading style sheets</a:t>
             </a:r>
           </a:p>
           <a:p>
@@ -8011,7 +8007,7 @@
               <a:buAutoNum type="arabicPeriod"/>
             </a:pPr>
             <a:r>
-              <a:rPr lang="en-US" sz="2400" b="1" smtClean="0"/>
+              <a:rPr lang="en-US" sz="2400" b="1" dirty="0" smtClean="0"/>
               <a:t>World Wide Web (Web)</a:t>
             </a:r>
             <a:endParaRPr lang="en-US" sz="2400" b="1" dirty="0"/>
@@ -8022,16 +8018,8 @@
               <a:buChar char="-"/>
             </a:pPr>
             <a:r>
-              <a:rPr lang="en-US" sz="2200" smtClean="0"/>
-              <a:t> WWW </a:t>
-            </a:r>
-            <a:r>
               <a:rPr lang="en-US" sz="2200" dirty="0" smtClean="0"/>
-              <a:t>consist of all the public Web sites connected to the Internet worldwide, including the client devices that access Web content</a:t>
-            </a:r>
-            <a:r>
-              <a:rPr lang="en-US" sz="2200" smtClean="0"/>
-              <a:t>. </a:t>
+              <a:t> WWW consist of all the public Web sites connected to the Internet worldwide, including the client devices that access Web content. </a:t>
             </a:r>
           </a:p>
           <a:p>
@@ -8040,16 +8028,8 @@
               <a:buChar char="-"/>
             </a:pPr>
             <a:r>
-              <a:rPr lang="en-US" sz="2200" smtClean="0"/>
-              <a:t> The </a:t>
-            </a:r>
-            <a:r>
               <a:rPr lang="en-US" sz="2200" dirty="0" smtClean="0"/>
-              <a:t>WWW is just one of many applications of the Internet and computer networks</a:t>
-            </a:r>
-            <a:r>
-              <a:rPr lang="en-US" sz="2200" smtClean="0"/>
-              <a:t>. </a:t>
+              <a:t> The WWW is just one of many applications of the Internet and computer networks. </a:t>
             </a:r>
           </a:p>
           <a:p>
@@ -8064,14 +8044,10 @@
             </a:pPr>
             <a:r>
               <a:rPr lang="en-US" sz="2400" b="1" dirty="0"/>
-              <a:t>2</a:t>
-            </a:r>
-            <a:r>
-              <a:rPr lang="en-US" sz="2400" b="1"/>
-              <a:t>. </a:t>
-            </a:r>
-            <a:r>
-              <a:rPr lang="en-US" sz="2400" b="1" smtClean="0"/>
+              <a:t>2. </a:t>
+            </a:r>
+            <a:r>
+              <a:rPr lang="en-US" sz="2400" b="1" dirty="0" smtClean="0"/>
               <a:t>Web Application</a:t>
             </a:r>
             <a:endParaRPr lang="en-US" sz="2400" b="1" dirty="0"/>
@@ -8082,15 +8058,15 @@
               <a:buChar char="-"/>
             </a:pPr>
             <a:r>
-              <a:rPr lang="en-US" sz="2200" smtClean="0"/>
+              <a:rPr lang="en-US" sz="2200" dirty="0" smtClean="0"/>
               <a:t>  </a:t>
             </a:r>
             <a:r>
-              <a:rPr lang="en-US" sz="2200" b="1" smtClean="0"/>
+              <a:rPr lang="en-US" sz="2200" b="1" dirty="0" smtClean="0"/>
               <a:t>Web Application</a:t>
             </a:r>
             <a:r>
-              <a:rPr lang="en-US" sz="2200" smtClean="0"/>
+              <a:rPr lang="en-US" sz="2200" dirty="0" smtClean="0"/>
               <a:t> includes Client and Server</a:t>
             </a:r>
           </a:p>
@@ -8100,15 +8076,15 @@
               <a:buChar char="-"/>
             </a:pPr>
             <a:r>
-              <a:rPr lang="en-US" sz="2200" smtClean="0"/>
+              <a:rPr lang="en-US" sz="2200" dirty="0" smtClean="0"/>
               <a:t>  </a:t>
             </a:r>
             <a:r>
-              <a:rPr lang="en-US" sz="2200" b="1" smtClean="0"/>
+              <a:rPr lang="en-US" sz="2200" b="1" dirty="0" smtClean="0"/>
               <a:t>Clients</a:t>
             </a:r>
             <a:r>
-              <a:rPr lang="en-US" sz="2200" smtClean="0"/>
+              <a:rPr lang="en-US" sz="2200" dirty="0" smtClean="0"/>
               <a:t> </a:t>
             </a:r>
             <a:r>
@@ -8122,11 +8098,11 @@
               <a:buChar char="-"/>
             </a:pPr>
             <a:r>
-              <a:rPr lang="en-US" sz="2200" smtClean="0"/>
+              <a:rPr lang="en-US" sz="2200" dirty="0" smtClean="0"/>
               <a:t>  </a:t>
             </a:r>
             <a:r>
-              <a:rPr lang="en-US" sz="2200" b="1" smtClean="0"/>
+              <a:rPr lang="en-US" sz="2200" b="1" dirty="0" smtClean="0"/>
               <a:t>Web </a:t>
             </a:r>
             <a:r>
